--- a/SET_PO_ja.pptx
+++ b/SET_PO_ja.pptx
@@ -6,7 +6,7 @@
     <p:sldMasterId id="2147483653" r:id="rId2"/>
   </p:sldMasterIdLst>
   <p:notesMasterIdLst>
-    <p:notesMasterId r:id="rId56"/>
+    <p:notesMasterId r:id="rId57"/>
   </p:notesMasterIdLst>
   <p:sldIdLst>
     <p:sldId id="294" r:id="rId3"/>
@@ -62,6 +62,7 @@
     <p:sldId id="656" r:id="rId53"/>
     <p:sldId id="652" r:id="rId54"/>
     <p:sldId id="687" r:id="rId55"/>
+    <p:sldId id="688" r:id="rId56"/>
   </p:sldIdLst>
   <p:sldSz cx="9144000" cy="6858000" type="screen4x3"/>
   <p:notesSz cx="6858000" cy="9144000"/>
@@ -162,7 +163,7 @@
   </p:defaultTextStyle>
   <p:extLst>
     <p:ext uri="{EFAFB233-063F-42B5-8137-9DF3F51BA10A}">
-      <p15:sldGuideLst xmlns:p15="http://schemas.microsoft.com/office/powerpoint/2012/main" xmlns="">
+      <p15:sldGuideLst xmlns:p15="http://schemas.microsoft.com/office/powerpoint/2012/main">
         <p15:guide id="1" orient="horz" pos="2160">
           <p15:clr>
             <a:srgbClr val="A4A3A4"/>
@@ -296,7 +297,7 @@
           <a:p>
             <a:fld id="{067E67B1-E584-4720-817D-DD5D20C3975D}" type="datetimeFigureOut">
               <a:rPr kumimoji="1" lang="ja-JP" altLang="en-US" smtClean="0"/>
-              <a:t>18/02/04</a:t>
+              <a:t>2018/2/5</a:t>
             </a:fld>
             <a:endParaRPr kumimoji="1" lang="ja-JP" altLang="en-US"/>
           </a:p>
@@ -4869,6 +4870,94 @@
 </p:notes>
 </file>
 
+<file path=ppt/notesSlides/notesSlide54.xml><?xml version="1.0" encoding="utf-8"?>
+<p:notes xmlns:a="http://schemas.openxmlformats.org/drawingml/2006/main" xmlns:r="http://schemas.openxmlformats.org/officeDocument/2006/relationships" xmlns:p="http://schemas.openxmlformats.org/presentationml/2006/main">
+  <p:cSld>
+    <p:spTree>
+      <p:nvGrpSpPr>
+        <p:cNvPr id="1" name=""/>
+        <p:cNvGrpSpPr/>
+        <p:nvPr/>
+      </p:nvGrpSpPr>
+      <p:grpSpPr>
+        <a:xfrm>
+          <a:off x="0" y="0"/>
+          <a:ext cx="0" cy="0"/>
+          <a:chOff x="0" y="0"/>
+          <a:chExt cx="0" cy="0"/>
+        </a:xfrm>
+      </p:grpSpPr>
+      <p:sp>
+        <p:nvSpPr>
+          <p:cNvPr id="2" name="スライド イメージ プレースホルダー 1"/>
+          <p:cNvSpPr>
+            <a:spLocks noGrp="1" noRot="1" noChangeAspect="1"/>
+          </p:cNvSpPr>
+          <p:nvPr>
+            <p:ph type="sldImg"/>
+          </p:nvPr>
+        </p:nvSpPr>
+        <p:spPr/>
+      </p:sp>
+      <p:sp>
+        <p:nvSpPr>
+          <p:cNvPr id="3" name="ノート プレースホルダー 2"/>
+          <p:cNvSpPr>
+            <a:spLocks noGrp="1"/>
+          </p:cNvSpPr>
+          <p:nvPr>
+            <p:ph type="body" idx="1"/>
+          </p:nvPr>
+        </p:nvSpPr>
+        <p:spPr/>
+        <p:txBody>
+          <a:bodyPr/>
+          <a:lstStyle/>
+          <a:p>
+            <a:r>
+              <a:rPr kumimoji="1" lang="ja-JP" altLang="en-US" dirty="0" smtClean="0"/>
+              <a:t>このセッションの目的です。</a:t>
+            </a:r>
+            <a:endParaRPr kumimoji="1" lang="ja-JP" altLang="en-US" dirty="0"/>
+          </a:p>
+        </p:txBody>
+      </p:sp>
+      <p:sp>
+        <p:nvSpPr>
+          <p:cNvPr id="4" name="スライド番号プレースホルダー 3"/>
+          <p:cNvSpPr>
+            <a:spLocks noGrp="1"/>
+          </p:cNvSpPr>
+          <p:nvPr>
+            <p:ph type="sldNum" sz="quarter" idx="10"/>
+          </p:nvPr>
+        </p:nvSpPr>
+        <p:spPr/>
+        <p:txBody>
+          <a:bodyPr/>
+          <a:lstStyle/>
+          <a:p>
+            <a:fld id="{D6931A60-C776-4263-A2FB-8D24586021F6}" type="slidenum">
+              <a:rPr kumimoji="1" lang="ja-JP" altLang="en-US" smtClean="0"/>
+              <a:t>54</a:t>
+            </a:fld>
+            <a:endParaRPr kumimoji="1" lang="ja-JP" altLang="en-US"/>
+          </a:p>
+        </p:txBody>
+      </p:sp>
+    </p:spTree>
+    <p:extLst>
+      <p:ext uri="{BB962C8B-B14F-4D97-AF65-F5344CB8AC3E}">
+        <p14:creationId xmlns:p14="http://schemas.microsoft.com/office/powerpoint/2010/main" val="1605552273"/>
+      </p:ext>
+    </p:extLst>
+  </p:cSld>
+  <p:clrMapOvr>
+    <a:masterClrMapping/>
+  </p:clrMapOvr>
+</p:notes>
+</file>
+
 <file path=ppt/notesSlides/notesSlide6.xml><?xml version="1.0" encoding="utf-8"?>
 <p:notes xmlns:a="http://schemas.openxmlformats.org/drawingml/2006/main" xmlns:r="http://schemas.openxmlformats.org/officeDocument/2006/relationships" xmlns:p="http://schemas.openxmlformats.org/presentationml/2006/main">
   <p:cSld>
@@ -5510,7 +5599,7 @@
             <a:fld id="{052BCCDA-7B63-404C-A04A-C54649811EC9}" type="datetime4">
               <a:rPr lang="ja-JP" altLang="en-US" smtClean="0"/>
               <a:pPr/>
-              <a:t>2018年 2月 4日 </a:t>
+              <a:t>2018年2月5日</a:t>
             </a:fld>
             <a:endParaRPr lang="ja-JP" altLang="en-US"/>
           </a:p>
@@ -5665,7 +5754,7 @@
   <p:timing>
     <p:tnLst>
       <p:par>
-        <p:cTn xmlns:p14="http://schemas.microsoft.com/office/powerpoint/2010/main" id="1" dur="indefinite" restart="never" nodeType="tmRoot"/>
+        <p:cTn id="1" dur="indefinite" restart="never" nodeType="tmRoot"/>
       </p:par>
     </p:tnLst>
   </p:timing>
@@ -5820,7 +5909,7 @@
             <a:fld id="{3657B689-2040-4AA2-A102-3ED058595473}" type="datetime1">
               <a:rPr lang="ja-JP" altLang="en-US" smtClean="0"/>
               <a:pPr/>
-              <a:t>18/02/04</a:t>
+              <a:t>2018/2/5</a:t>
             </a:fld>
             <a:endParaRPr lang="ja-JP" altLang="en-US"/>
           </a:p>
@@ -6028,7 +6117,7 @@
   <p:timing>
     <p:tnLst>
       <p:par>
-        <p:cTn xmlns:p14="http://schemas.microsoft.com/office/powerpoint/2010/main" id="1" dur="indefinite" restart="never" nodeType="tmRoot"/>
+        <p:cTn id="1" dur="indefinite" restart="never" nodeType="tmRoot"/>
       </p:par>
     </p:tnLst>
   </p:timing>
@@ -6169,7 +6258,7 @@
             <a:fld id="{6B8FEEA6-8109-49C3-9E5B-E102B12D7F37}" type="datetime1">
               <a:rPr lang="ja-JP" altLang="en-US" smtClean="0"/>
               <a:pPr/>
-              <a:t>18/02/04</a:t>
+              <a:t>2018/2/5</a:t>
             </a:fld>
             <a:endParaRPr lang="ja-JP" altLang="en-US"/>
           </a:p>
@@ -6225,7 +6314,7 @@
   <p:timing>
     <p:tnLst>
       <p:par>
-        <p:cTn xmlns:p14="http://schemas.microsoft.com/office/powerpoint/2010/main" id="1" dur="indefinite" restart="never" nodeType="tmRoot"/>
+        <p:cTn id="1" dur="indefinite" restart="never" nodeType="tmRoot"/>
       </p:par>
     </p:tnLst>
   </p:timing>
@@ -6328,7 +6417,7 @@
   <p:timing>
     <p:tnLst>
       <p:par>
-        <p:cTn xmlns:p14="http://schemas.microsoft.com/office/powerpoint/2010/main" id="1" dur="indefinite" restart="never" nodeType="tmRoot"/>
+        <p:cTn id="1" dur="indefinite" restart="never" nodeType="tmRoot"/>
       </p:par>
     </p:tnLst>
   </p:timing>
@@ -6525,7 +6614,7 @@
             <a:fld id="{0541452E-60C8-4FD8-95AF-A908062DC191}" type="datetime4">
               <a:rPr lang="ja-JP" altLang="en-US" smtClean="0"/>
               <a:pPr/>
-              <a:t>2018年 2月 4日 </a:t>
+              <a:t>2018年2月5日</a:t>
             </a:fld>
             <a:endParaRPr lang="ja-JP" altLang="en-US"/>
           </a:p>
@@ -6544,7 +6633,7 @@
   <p:timing>
     <p:tnLst>
       <p:par>
-        <p:cTn xmlns:p14="http://schemas.microsoft.com/office/powerpoint/2010/main" id="1" dur="indefinite" restart="never" nodeType="tmRoot"/>
+        <p:cTn id="1" dur="indefinite" restart="never" nodeType="tmRoot"/>
       </p:par>
     </p:tnLst>
   </p:timing>
@@ -6697,7 +6786,7 @@
             <a:fld id="{3657B689-2040-4AA2-A102-3ED058595473}" type="datetime1">
               <a:rPr lang="ja-JP" altLang="en-US" smtClean="0"/>
               <a:pPr/>
-              <a:t>18/02/04</a:t>
+              <a:t>2018/2/5</a:t>
             </a:fld>
             <a:endParaRPr lang="ja-JP" altLang="en-US"/>
           </a:p>
@@ -6897,7 +6986,7 @@
   <p:timing>
     <p:tnLst>
       <p:par>
-        <p:cTn xmlns:p14="http://schemas.microsoft.com/office/powerpoint/2010/main" id="1" dur="indefinite" restart="never" nodeType="tmRoot"/>
+        <p:cTn id="1" dur="indefinite" restart="never" nodeType="tmRoot"/>
       </p:par>
     </p:tnLst>
   </p:timing>
@@ -7088,7 +7177,7 @@
             <a:fld id="{6B8FEEA6-8109-49C3-9E5B-E102B12D7F37}" type="datetime1">
               <a:rPr lang="ja-JP" altLang="en-US" smtClean="0"/>
               <a:pPr/>
-              <a:t>18/02/04</a:t>
+              <a:t>2018/2/5</a:t>
             </a:fld>
             <a:endParaRPr lang="ja-JP" altLang="en-US"/>
           </a:p>
@@ -7139,7 +7228,7 @@
   <p:timing>
     <p:tnLst>
       <p:par>
-        <p:cTn xmlns:p14="http://schemas.microsoft.com/office/powerpoint/2010/main" id="1" dur="indefinite" restart="never" nodeType="tmRoot"/>
+        <p:cTn id="1" dur="indefinite" restart="never" nodeType="tmRoot"/>
       </p:par>
     </p:tnLst>
   </p:timing>
@@ -7234,7 +7323,7 @@
   <p:timing>
     <p:tnLst>
       <p:par>
-        <p:cTn xmlns:p14="http://schemas.microsoft.com/office/powerpoint/2010/main" id="1" dur="indefinite" restart="never" nodeType="tmRoot"/>
+        <p:cTn id="1" dur="indefinite" restart="never" nodeType="tmRoot"/>
       </p:par>
     </p:tnLst>
   </p:timing>
@@ -7338,7 +7427,7 @@
             <a:fld id="{9E8D857A-8BE1-48F1-B70A-19AA9B269235}" type="datetime1">
               <a:rPr lang="ja-JP" altLang="en-US" smtClean="0"/>
               <a:pPr/>
-              <a:t>18/02/04</a:t>
+              <a:t>2018/2/5</a:t>
             </a:fld>
             <a:endParaRPr lang="ja-JP" altLang="en-US"/>
           </a:p>
@@ -7494,7 +7583,7 @@
   <p:timing>
     <p:tnLst>
       <p:par>
-        <p:cTn xmlns:p14="http://schemas.microsoft.com/office/powerpoint/2010/main" id="1" dur="indefinite" restart="never" nodeType="tmRoot"/>
+        <p:cTn id="1" dur="indefinite" restart="never" nodeType="tmRoot"/>
       </p:par>
     </p:tnLst>
   </p:timing>
@@ -7879,7 +7968,7 @@
             <a:fld id="{9E8D857A-8BE1-48F1-B70A-19AA9B269235}" type="datetime1">
               <a:rPr lang="ja-JP" altLang="en-US" smtClean="0"/>
               <a:pPr/>
-              <a:t>18/02/04</a:t>
+              <a:t>2018/2/5</a:t>
             </a:fld>
             <a:endParaRPr lang="ja-JP" altLang="en-US"/>
           </a:p>
@@ -8030,7 +8119,7 @@
   <p:timing>
     <p:tnLst>
       <p:par>
-        <p:cTn xmlns:p14="http://schemas.microsoft.com/office/powerpoint/2010/main" id="1" dur="indefinite" restart="never" nodeType="tmRoot"/>
+        <p:cTn id="1" dur="indefinite" restart="never" nodeType="tmRoot"/>
       </p:par>
     </p:tnLst>
   </p:timing>
@@ -8507,7 +8596,7 @@
           <a:p>
             <a:fld id="{C3DF34E1-CD1B-4039-BEF8-E796808036C6}" type="datetime4">
               <a:rPr lang="ja-JP" altLang="en-US" smtClean="0"/>
-              <a:t>2018年 2月 4日 </a:t>
+              <a:t>2018年2月5日</a:t>
             </a:fld>
             <a:endParaRPr lang="ja-JP" altLang="en-US"/>
           </a:p>
@@ -9035,7 +9124,7 @@
   <p:timing>
     <p:tnLst>
       <p:par>
-        <p:cTn xmlns:p14="http://schemas.microsoft.com/office/powerpoint/2010/main" id="1" dur="indefinite" restart="never" nodeType="tmRoot"/>
+        <p:cTn id="1" dur="indefinite" restart="never" nodeType="tmRoot"/>
       </p:par>
     </p:tnLst>
   </p:timing>
@@ -9514,7 +9603,7 @@
   <p:timing>
     <p:tnLst>
       <p:par>
-        <p:cTn xmlns:p14="http://schemas.microsoft.com/office/powerpoint/2010/main" id="1" dur="indefinite" restart="never" nodeType="tmRoot"/>
+        <p:cTn id="1" dur="indefinite" restart="never" nodeType="tmRoot"/>
       </p:par>
     </p:tnLst>
   </p:timing>
@@ -9974,7 +10063,7 @@
   <p:timing>
     <p:tnLst>
       <p:par>
-        <p:cTn xmlns:p14="http://schemas.microsoft.com/office/powerpoint/2010/main" id="1" dur="indefinite" restart="never" nodeType="tmRoot"/>
+        <p:cTn id="1" dur="indefinite" restart="never" nodeType="tmRoot"/>
       </p:par>
     </p:tnLst>
   </p:timing>
@@ -10340,7 +10429,7 @@
   <p:timing>
     <p:tnLst>
       <p:par>
-        <p:cTn xmlns:p14="http://schemas.microsoft.com/office/powerpoint/2010/main" id="1" dur="indefinite" restart="never" nodeType="tmRoot"/>
+        <p:cTn id="1" dur="indefinite" restart="never" nodeType="tmRoot"/>
       </p:par>
     </p:tnLst>
   </p:timing>
@@ -10765,7 +10854,7 @@
   <p:timing>
     <p:tnLst>
       <p:par>
-        <p:cTn xmlns:p14="http://schemas.microsoft.com/office/powerpoint/2010/main" id="1" dur="indefinite" restart="never" nodeType="tmRoot"/>
+        <p:cTn id="1" dur="indefinite" restart="never" nodeType="tmRoot"/>
       </p:par>
     </p:tnLst>
   </p:timing>
@@ -10889,7 +10978,7 @@
   <p:timing>
     <p:tnLst>
       <p:par>
-        <p:cTn xmlns:p14="http://schemas.microsoft.com/office/powerpoint/2010/main" id="1" dur="indefinite" restart="never" nodeType="tmRoot"/>
+        <p:cTn id="1" dur="indefinite" restart="never" nodeType="tmRoot"/>
       </p:par>
     </p:tnLst>
   </p:timing>
@@ -11087,7 +11176,7 @@
   <p:timing>
     <p:tnLst>
       <p:par>
-        <p:cTn xmlns:p14="http://schemas.microsoft.com/office/powerpoint/2010/main" id="1" dur="indefinite" restart="never" nodeType="tmRoot"/>
+        <p:cTn id="1" dur="indefinite" restart="never" nodeType="tmRoot"/>
       </p:par>
     </p:tnLst>
   </p:timing>
@@ -11341,7 +11430,7 @@
   <p:timing>
     <p:tnLst>
       <p:par>
-        <p:cTn xmlns:p14="http://schemas.microsoft.com/office/powerpoint/2010/main" id="1" dur="indefinite" restart="never" nodeType="tmRoot"/>
+        <p:cTn id="1" dur="indefinite" restart="never" nodeType="tmRoot"/>
       </p:par>
     </p:tnLst>
   </p:timing>
@@ -11399,23 +11488,7 @@
                 <a:ea typeface="ヒラギノ角ゴ ProN W6"/>
                 <a:cs typeface="ヒラギノ角ゴ ProN W6"/>
               </a:rPr>
-              <a:t> </a:t>
-            </a:r>
-            <a:r>
-              <a:rPr lang="ja-JP" altLang="en-US" sz="4800" dirty="0" smtClean="0">
-                <a:latin typeface="ヒラギノ角ゴ ProN W6"/>
-                <a:ea typeface="ヒラギノ角ゴ ProN W6"/>
-                <a:cs typeface="ヒラギノ角ゴ ProN W6"/>
-              </a:rPr>
-              <a:t>現状</a:t>
-            </a:r>
-            <a:r>
-              <a:rPr lang="ja-JP" altLang="en-US" sz="4800" dirty="0" smtClean="0">
-                <a:latin typeface="ヒラギノ角ゴ ProN W6"/>
-                <a:ea typeface="ヒラギノ角ゴ ProN W6"/>
-                <a:cs typeface="ヒラギノ角ゴ ProN W6"/>
-              </a:rPr>
-              <a:t>把握・課題発見・言語化</a:t>
+              <a:t> 現状把握・課題発見・言語化</a:t>
             </a:r>
             <a:endParaRPr kumimoji="1" lang="ja-JP" altLang="en-US" sz="4800" dirty="0">
               <a:latin typeface="ヒラギノ角ゴ ProN W6"/>
@@ -11710,7 +11783,7 @@
   <p:timing>
     <p:tnLst>
       <p:par>
-        <p:cTn xmlns:p14="http://schemas.microsoft.com/office/powerpoint/2010/main" id="1" dur="indefinite" restart="never" nodeType="tmRoot"/>
+        <p:cTn id="1" dur="indefinite" restart="never" nodeType="tmRoot"/>
       </p:par>
     </p:tnLst>
   </p:timing>
@@ -12060,7 +12133,7 @@
   <p:timing>
     <p:tnLst>
       <p:par>
-        <p:cTn xmlns:p14="http://schemas.microsoft.com/office/powerpoint/2010/main" id="1" dur="indefinite" restart="never" nodeType="tmRoot"/>
+        <p:cTn id="1" dur="indefinite" restart="never" nodeType="tmRoot"/>
       </p:par>
     </p:tnLst>
   </p:timing>
@@ -12215,33 +12288,7 @@
                 <a:ea typeface="ヒラギノ角ゴ ProN W6"/>
                 <a:cs typeface="ヒラギノ角ゴ ProN W6"/>
               </a:rPr>
-              <a:t>・</a:t>
-            </a:r>
-            <a:r>
-              <a:rPr lang="ja-JP" altLang="en-US" sz="2800" dirty="0">
-                <a:solidFill>
-                  <a:schemeClr val="bg1">
-                    <a:lumMod val="50000"/>
-                  </a:schemeClr>
-                </a:solidFill>
-                <a:latin typeface="ヒラギノ角ゴ ProN W6"/>
-                <a:ea typeface="ヒラギノ角ゴ ProN W6"/>
-                <a:cs typeface="ヒラギノ角ゴ ProN W6"/>
-              </a:rPr>
-              <a:t>売上・利益</a:t>
-            </a:r>
-            <a:r>
-              <a:rPr lang="ja-JP" altLang="en-US" sz="2800" dirty="0">
-                <a:solidFill>
-                  <a:schemeClr val="bg1">
-                    <a:lumMod val="50000"/>
-                  </a:schemeClr>
-                </a:solidFill>
-                <a:latin typeface="ヒラギノ角ゴ ProN W6"/>
-                <a:ea typeface="ヒラギノ角ゴ ProN W6"/>
-                <a:cs typeface="ヒラギノ角ゴ ProN W6"/>
-              </a:rPr>
-              <a:t>に影響のあった障害とその原因は何か？ </a:t>
+              <a:t>・売上・利益に影響のあった障害とその原因は何か？ </a:t>
             </a:r>
           </a:p>
           <a:p>
@@ -12300,7 +12347,7 @@
   <p:timing>
     <p:tnLst>
       <p:par>
-        <p:cTn xmlns:p14="http://schemas.microsoft.com/office/powerpoint/2010/main" id="1" dur="indefinite" restart="never" nodeType="tmRoot"/>
+        <p:cTn id="1" dur="indefinite" restart="never" nodeType="tmRoot"/>
       </p:par>
     </p:tnLst>
   </p:timing>
@@ -12519,7 +12566,7 @@
   <p:timing>
     <p:tnLst>
       <p:par>
-        <p:cTn xmlns:p14="http://schemas.microsoft.com/office/powerpoint/2010/main" id="1" dur="indefinite" restart="never" nodeType="tmRoot">
+        <p:cTn id="1" dur="indefinite" restart="never" nodeType="tmRoot">
           <p:childTnLst>
             <p:seq concurrent="1" nextAc="seek">
               <p:cTn id="2" dur="indefinite" nodeType="mainSeq">
@@ -12996,7 +13043,7 @@
   <p:timing>
     <p:tnLst>
       <p:par>
-        <p:cTn xmlns:p14="http://schemas.microsoft.com/office/powerpoint/2010/main" id="1" dur="indefinite" restart="never" nodeType="tmRoot"/>
+        <p:cTn id="1" dur="indefinite" restart="never" nodeType="tmRoot"/>
       </p:par>
     </p:tnLst>
   </p:timing>
@@ -13248,29 +13295,7 @@
                 <a:ea typeface="ヒラギノ角ゴ ProN W6"/>
                 <a:cs typeface="ヒラギノ角ゴ ProN W6"/>
               </a:rPr>
-              <a:t>がいなくても、開発者が自力でテストスクリプトを書けるようにする。（</a:t>
-            </a:r>
-            <a:r>
-              <a:rPr lang="ja-JP" altLang="en-US" sz="2800" dirty="0">
-                <a:solidFill>
-                  <a:srgbClr val="7F7F7F"/>
-                </a:solidFill>
-                <a:latin typeface="ヒラギノ角ゴ ProN W6"/>
-                <a:ea typeface="ヒラギノ角ゴ ProN W6"/>
-                <a:cs typeface="ヒラギノ角ゴ ProN W6"/>
-              </a:rPr>
-              <a:t>自走化</a:t>
-            </a:r>
-            <a:r>
-              <a:rPr lang="ja-JP" altLang="en-US" sz="2800" dirty="0">
-                <a:solidFill>
-                  <a:srgbClr val="7F7F7F"/>
-                </a:solidFill>
-                <a:latin typeface="ヒラギノ角ゴ ProN W6"/>
-                <a:ea typeface="ヒラギノ角ゴ ProN W6"/>
-                <a:cs typeface="ヒラギノ角ゴ ProN W6"/>
-              </a:rPr>
-              <a:t>） </a:t>
+              <a:t>がいなくても、開発者が自力でテストスクリプトを書けるようにする。（自走化） </a:t>
             </a:r>
           </a:p>
           <a:p>
@@ -13459,7 +13484,7 @@
   <p:timing>
     <p:tnLst>
       <p:par>
-        <p:cTn xmlns:p14="http://schemas.microsoft.com/office/powerpoint/2010/main" id="1" dur="indefinite" restart="never" nodeType="tmRoot"/>
+        <p:cTn id="1" dur="indefinite" restart="never" nodeType="tmRoot"/>
       </p:par>
     </p:tnLst>
   </p:timing>
@@ -13647,7 +13672,7 @@
   <p:timing>
     <p:tnLst>
       <p:par>
-        <p:cTn xmlns:p14="http://schemas.microsoft.com/office/powerpoint/2010/main" id="1" dur="indefinite" restart="never" nodeType="tmRoot"/>
+        <p:cTn id="1" dur="indefinite" restart="never" nodeType="tmRoot"/>
       </p:par>
     </p:tnLst>
   </p:timing>
@@ -13791,29 +13816,7 @@
                 <a:ea typeface="ヒラギノ角ゴ ProN W6"/>
                 <a:cs typeface="ヒラギノ角ゴ ProN W6"/>
               </a:rPr>
-              <a:t>　</a:t>
-            </a:r>
-            <a:r>
-              <a:rPr lang="ja-JP" altLang="en-US" sz="2800" dirty="0">
-                <a:solidFill>
-                  <a:srgbClr val="7F7F7F"/>
-                </a:solidFill>
-                <a:latin typeface="ヒラギノ角ゴ ProN W6"/>
-                <a:ea typeface="ヒラギノ角ゴ ProN W6"/>
-                <a:cs typeface="ヒラギノ角ゴ ProN W6"/>
-              </a:rPr>
-              <a:t>認識・課題の言語化</a:t>
-            </a:r>
-            <a:r>
-              <a:rPr lang="ja-JP" altLang="en-US" sz="2800" dirty="0">
-                <a:solidFill>
-                  <a:srgbClr val="7F7F7F"/>
-                </a:solidFill>
-                <a:latin typeface="ヒラギノ角ゴ ProN W6"/>
-                <a:ea typeface="ヒラギノ角ゴ ProN W6"/>
-                <a:cs typeface="ヒラギノ角ゴ ProN W6"/>
-              </a:rPr>
-              <a:t> </a:t>
+              <a:t>　認識・課題の言語化 </a:t>
             </a:r>
           </a:p>
           <a:p>
@@ -13914,18 +13917,7 @@
                 <a:ea typeface="ヒラギノ角ゴ ProN W6"/>
                 <a:cs typeface="ヒラギノ角ゴ ProN W6"/>
               </a:rPr>
-              <a:t>　</a:t>
-            </a:r>
-            <a:r>
-              <a:rPr lang="ja-JP" altLang="en-US" sz="2800" dirty="0">
-                <a:solidFill>
-                  <a:srgbClr val="7F7F7F"/>
-                </a:solidFill>
-                <a:latin typeface="ヒラギノ角ゴ ProN W6"/>
-                <a:ea typeface="ヒラギノ角ゴ ProN W6"/>
-                <a:cs typeface="ヒラギノ角ゴ ProN W6"/>
-              </a:rPr>
-              <a:t>ソリューションリーダーとしての</a:t>
+              <a:t>　ソリューションリーダーとしての</a:t>
             </a:r>
             <a:r>
               <a:rPr lang="en-US" altLang="ja-JP" sz="2800" dirty="0">
@@ -14061,7 +14053,18 @@
                 <a:ea typeface="ヒラギノ角ゴ ProN W6"/>
                 <a:cs typeface="ヒラギノ角ゴ ProN W6"/>
               </a:rPr>
-              <a:t>　</a:t>
+              <a:t>　開発者＆テスター（</a:t>
+            </a:r>
+            <a:r>
+              <a:rPr lang="en-US" altLang="ja-JP" sz="2800" dirty="0">
+                <a:solidFill>
+                  <a:srgbClr val="7F7F7F"/>
+                </a:solidFill>
+                <a:latin typeface="ヒラギノ角ゴ ProN W6"/>
+                <a:ea typeface="ヒラギノ角ゴ ProN W6"/>
+                <a:cs typeface="ヒラギノ角ゴ ProN W6"/>
+              </a:rPr>
+              <a:t>QA</a:t>
             </a:r>
             <a:r>
               <a:rPr lang="ja-JP" altLang="en-US" sz="2800" dirty="0">
@@ -14072,40 +14075,7 @@
                 <a:ea typeface="ヒラギノ角ゴ ProN W6"/>
                 <a:cs typeface="ヒラギノ角ゴ ProN W6"/>
               </a:rPr>
-              <a:t>開発者＆テスター（</a:t>
-            </a:r>
-            <a:r>
-              <a:rPr lang="en-US" altLang="ja-JP" sz="2800" dirty="0">
-                <a:solidFill>
-                  <a:srgbClr val="7F7F7F"/>
-                </a:solidFill>
-                <a:latin typeface="ヒラギノ角ゴ ProN W6"/>
-                <a:ea typeface="ヒラギノ角ゴ ProN W6"/>
-                <a:cs typeface="ヒラギノ角ゴ ProN W6"/>
-              </a:rPr>
-              <a:t>QA</a:t>
-            </a:r>
-            <a:r>
-              <a:rPr lang="ja-JP" altLang="en-US" sz="2800" dirty="0">
-                <a:solidFill>
-                  <a:srgbClr val="7F7F7F"/>
-                </a:solidFill>
-                <a:latin typeface="ヒラギノ角ゴ ProN W6"/>
-                <a:ea typeface="ヒラギノ角ゴ ProN W6"/>
-                <a:cs typeface="ヒラギノ角ゴ ProN W6"/>
-              </a:rPr>
-              <a:t>）で品質を作り込む</a:t>
-            </a:r>
-            <a:r>
-              <a:rPr lang="ja-JP" altLang="en-US" sz="2800" dirty="0">
-                <a:solidFill>
-                  <a:srgbClr val="7F7F7F"/>
-                </a:solidFill>
-                <a:latin typeface="ヒラギノ角ゴ ProN W6"/>
-                <a:ea typeface="ヒラギノ角ゴ ProN W6"/>
-                <a:cs typeface="ヒラギノ角ゴ ProN W6"/>
-              </a:rPr>
-              <a:t> </a:t>
+              <a:t>）で品質を作り込む </a:t>
             </a:r>
           </a:p>
           <a:p>
@@ -14190,7 +14160,7 @@
   <p:timing>
     <p:tnLst>
       <p:par>
-        <p:cTn xmlns:p14="http://schemas.microsoft.com/office/powerpoint/2010/main" id="1" dur="indefinite" restart="never" nodeType="tmRoot"/>
+        <p:cTn id="1" dur="indefinite" restart="never" nodeType="tmRoot"/>
       </p:par>
     </p:tnLst>
   </p:timing>
@@ -14314,7 +14284,7 @@
   <p:timing>
     <p:tnLst>
       <p:par>
-        <p:cTn xmlns:p14="http://schemas.microsoft.com/office/powerpoint/2010/main" id="1" dur="indefinite" restart="never" nodeType="tmRoot"/>
+        <p:cTn id="1" dur="indefinite" restart="never" nodeType="tmRoot"/>
       </p:par>
     </p:tnLst>
   </p:timing>
@@ -14758,7 +14728,7 @@
   <p:timing>
     <p:tnLst>
       <p:par>
-        <p:cTn xmlns:p14="http://schemas.microsoft.com/office/powerpoint/2010/main" id="1" dur="indefinite" restart="never" nodeType="tmRoot"/>
+        <p:cTn id="1" dur="indefinite" restart="never" nodeType="tmRoot"/>
       </p:par>
     </p:tnLst>
   </p:timing>
@@ -15301,7 +15271,7 @@
   <p:timing>
     <p:tnLst>
       <p:par>
-        <p:cTn xmlns:p14="http://schemas.microsoft.com/office/powerpoint/2010/main" id="1" dur="indefinite" restart="never" nodeType="tmRoot">
+        <p:cTn id="1" dur="indefinite" restart="never" nodeType="tmRoot">
           <p:childTnLst>
             <p:seq concurrent="1" nextAc="seek">
               <p:cTn id="2" dur="indefinite" nodeType="mainSeq">
@@ -15841,7 +15811,7 @@
   <p:timing>
     <p:tnLst>
       <p:par>
-        <p:cTn xmlns:p14="http://schemas.microsoft.com/office/powerpoint/2010/main" id="1" dur="indefinite" restart="never" nodeType="tmRoot"/>
+        <p:cTn id="1" dur="indefinite" restart="never" nodeType="tmRoot"/>
       </p:par>
     </p:tnLst>
   </p:timing>
@@ -16564,7 +16534,7 @@
   <p:timing>
     <p:tnLst>
       <p:par>
-        <p:cTn xmlns:p14="http://schemas.microsoft.com/office/powerpoint/2010/main" id="1" dur="indefinite" restart="never" nodeType="tmRoot">
+        <p:cTn id="1" dur="indefinite" restart="never" nodeType="tmRoot">
           <p:childTnLst>
             <p:seq concurrent="1" nextAc="seek">
               <p:cTn id="2" dur="indefinite" nodeType="mainSeq">
@@ -17095,7 +17065,7 @@
   <p:timing>
     <p:tnLst>
       <p:par>
-        <p:cTn xmlns:p14="http://schemas.microsoft.com/office/powerpoint/2010/main" id="1" dur="indefinite" restart="never" nodeType="tmRoot"/>
+        <p:cTn id="1" dur="indefinite" restart="never" nodeType="tmRoot"/>
       </p:par>
     </p:tnLst>
   </p:timing>
@@ -17331,7 +17301,7 @@
   <p:timing>
     <p:tnLst>
       <p:par>
-        <p:cTn xmlns:p14="http://schemas.microsoft.com/office/powerpoint/2010/main" id="1" dur="indefinite" restart="never" nodeType="tmRoot"/>
+        <p:cTn id="1" dur="indefinite" restart="never" nodeType="tmRoot"/>
       </p:par>
     </p:tnLst>
   </p:timing>
@@ -17823,7 +17793,7 @@
   <p:timing>
     <p:tnLst>
       <p:par>
-        <p:cTn xmlns:p14="http://schemas.microsoft.com/office/powerpoint/2010/main" id="1" dur="indefinite" restart="never" nodeType="tmRoot"/>
+        <p:cTn id="1" dur="indefinite" restart="never" nodeType="tmRoot"/>
       </p:par>
     </p:tnLst>
   </p:timing>
@@ -18266,16 +18236,6 @@
               </a:rPr>
               <a:t>XUnit Test Patterns</a:t>
             </a:r>
-            <a:endParaRPr kumimoji="1" lang="en-US" altLang="ja-JP" sz="3200" dirty="0" smtClean="0">
-              <a:solidFill>
-                <a:schemeClr val="bg1">
-                  <a:lumMod val="50000"/>
-                </a:schemeClr>
-              </a:solidFill>
-              <a:latin typeface="ヒラギノ角ゴ ProN W6"/>
-              <a:ea typeface="ヒラギノ角ゴ ProN W6"/>
-              <a:cs typeface="ヒラギノ角ゴ ProN W6"/>
-            </a:endParaRPr>
           </a:p>
         </p:txBody>
       </p:sp>
@@ -18292,7 +18252,7 @@
   <p:timing>
     <p:tnLst>
       <p:par>
-        <p:cTn xmlns:p14="http://schemas.microsoft.com/office/powerpoint/2010/main" id="1" dur="indefinite" restart="never" nodeType="tmRoot"/>
+        <p:cTn id="1" dur="indefinite" restart="never" nodeType="tmRoot"/>
       </p:par>
     </p:tnLst>
   </p:timing>
@@ -18368,23 +18328,7 @@
                 <a:ea typeface="ヒラギノ角ゴ ProN W6"/>
                 <a:cs typeface="ヒラギノ角ゴ ProN W6"/>
               </a:rPr>
-              <a:t>(</a:t>
-            </a:r>
-            <a:r>
-              <a:rPr lang="en-US" altLang="ja-JP" sz="4800" dirty="0" smtClean="0">
-                <a:latin typeface="ヒラギノ角ゴ ProN W6"/>
-                <a:ea typeface="ヒラギノ角ゴ ProN W6"/>
-                <a:cs typeface="ヒラギノ角ゴ ProN W6"/>
-              </a:rPr>
-              <a:t>4</a:t>
-            </a:r>
-            <a:r>
-              <a:rPr lang="en-US" altLang="ja-JP" sz="4800" dirty="0" smtClean="0">
-                <a:latin typeface="ヒラギノ角ゴ ProN W6"/>
-                <a:ea typeface="ヒラギノ角ゴ ProN W6"/>
-                <a:cs typeface="ヒラギノ角ゴ ProN W6"/>
-              </a:rPr>
-              <a:t>)</a:t>
+              <a:t>(4)</a:t>
             </a:r>
             <a:endParaRPr kumimoji="1" lang="ja-JP" altLang="en-US" sz="4800" dirty="0">
               <a:latin typeface="ヒラギノ角ゴ ProN W6"/>
@@ -18468,29 +18412,7 @@
                 <a:ea typeface="ヒラギノ角ゴ ProN W6"/>
                 <a:cs typeface="ヒラギノ角ゴ ProN W6"/>
               </a:rPr>
-              <a:t>は</a:t>
-            </a:r>
-            <a:r>
-              <a:rPr lang="ja-JP" altLang="en-US" sz="2800" dirty="0" smtClean="0">
-                <a:solidFill>
-                  <a:srgbClr val="7F7F7F"/>
-                </a:solidFill>
-                <a:latin typeface="ヒラギノ角ゴ ProN W6"/>
-                <a:ea typeface="ヒラギノ角ゴ ProN W6"/>
-                <a:cs typeface="ヒラギノ角ゴ ProN W6"/>
-              </a:rPr>
-              <a:t>、</a:t>
-            </a:r>
-            <a:r>
-              <a:rPr lang="ja-JP" altLang="en-US" sz="2800" dirty="0" smtClean="0">
-                <a:solidFill>
-                  <a:srgbClr val="7F7F7F"/>
-                </a:solidFill>
-                <a:latin typeface="ヒラギノ角ゴ ProN W6"/>
-                <a:ea typeface="ヒラギノ角ゴ ProN W6"/>
-                <a:cs typeface="ヒラギノ角ゴ ProN W6"/>
-              </a:rPr>
-              <a:t>心理的</a:t>
+              <a:t>は、心理的</a:t>
             </a:r>
             <a:r>
               <a:rPr lang="ja-JP" altLang="en-US" sz="2800" dirty="0">
@@ -18551,14 +18473,6 @@
               </a:rPr>
               <a:t>Modern Agile</a:t>
             </a:r>
-            <a:endParaRPr kumimoji="1" lang="en-US" altLang="ja-JP" sz="2800" dirty="0" smtClean="0">
-              <a:solidFill>
-                <a:srgbClr val="7F7F7F"/>
-              </a:solidFill>
-              <a:latin typeface="ヒラギノ角ゴ ProN W6"/>
-              <a:ea typeface="ヒラギノ角ゴ ProN W6"/>
-              <a:cs typeface="ヒラギノ角ゴ ProN W6"/>
-            </a:endParaRPr>
           </a:p>
         </p:txBody>
       </p:sp>
@@ -18575,7 +18489,7 @@
   <p:timing>
     <p:tnLst>
       <p:par>
-        <p:cTn xmlns:p14="http://schemas.microsoft.com/office/powerpoint/2010/main" id="1" dur="indefinite" restart="never" nodeType="tmRoot"/>
+        <p:cTn id="1" dur="indefinite" restart="never" nodeType="tmRoot"/>
       </p:par>
     </p:tnLst>
   </p:timing>
@@ -18713,11 +18627,7 @@
             </a:r>
             <a:r>
               <a:rPr lang="ja-JP" altLang="en-US" sz="2000" b="1" dirty="0" smtClean="0"/>
-              <a:t>解析</a:t>
-            </a:r>
-            <a:r>
-              <a:rPr lang="ja-JP" altLang="en-US" sz="2000" b="1" dirty="0" smtClean="0"/>
-              <a:t>し、開発チームの特性を知る。</a:t>
+              <a:t>解析し、開発チームの特性を知る。</a:t>
             </a:r>
             <a:endParaRPr lang="en-US" altLang="ja-JP" sz="2000" b="1" dirty="0" smtClean="0"/>
           </a:p>
@@ -18772,7 +18682,7 @@
   <p:timing>
     <p:tnLst>
       <p:par>
-        <p:cTn xmlns:p14="http://schemas.microsoft.com/office/powerpoint/2010/main" id="1" dur="indefinite" restart="never" nodeType="tmRoot"/>
+        <p:cTn id="1" dur="indefinite" restart="never" nodeType="tmRoot"/>
       </p:par>
     </p:tnLst>
   </p:timing>
@@ -18942,14 +18852,6 @@
               </a:rPr>
               <a:t>検知を行う</a:t>
             </a:r>
-            <a:endParaRPr lang="ja-JP" altLang="en-US" sz="2800" dirty="0">
-              <a:solidFill>
-                <a:srgbClr val="7F7F7F"/>
-              </a:solidFill>
-              <a:latin typeface="ヒラギノ角ゴ ProN W6"/>
-              <a:ea typeface="ヒラギノ角ゴ ProN W6"/>
-              <a:cs typeface="ヒラギノ角ゴ ProN W6"/>
-            </a:endParaRPr>
           </a:p>
           <a:p>
             <a:r>
@@ -19075,7 +18977,7 @@
   <p:timing>
     <p:tnLst>
       <p:par>
-        <p:cTn xmlns:p14="http://schemas.microsoft.com/office/powerpoint/2010/main" id="1" dur="indefinite" restart="never" nodeType="tmRoot"/>
+        <p:cTn id="1" dur="indefinite" restart="never" nodeType="tmRoot"/>
       </p:par>
     </p:tnLst>
   </p:timing>
@@ -19199,14 +19101,6 @@
               </a:rPr>
               <a:t>テスト自動化を駆使して、高速な学習の仕組みを構築・運用すべし！</a:t>
             </a:r>
-            <a:endParaRPr lang="ja-JP" altLang="en-US" sz="2800" dirty="0">
-              <a:solidFill>
-                <a:srgbClr val="7F7F7F"/>
-              </a:solidFill>
-              <a:latin typeface="ヒラギノ角ゴ ProN W6"/>
-              <a:ea typeface="ヒラギノ角ゴ ProN W6"/>
-              <a:cs typeface="ヒラギノ角ゴ ProN W6"/>
-            </a:endParaRPr>
           </a:p>
           <a:p>
             <a:r>
@@ -19275,7 +19169,7 @@
   <p:timing>
     <p:tnLst>
       <p:par>
-        <p:cTn xmlns:p14="http://schemas.microsoft.com/office/powerpoint/2010/main" id="1" dur="indefinite" restart="never" nodeType="tmRoot"/>
+        <p:cTn id="1" dur="indefinite" restart="never" nodeType="tmRoot"/>
       </p:par>
     </p:tnLst>
   </p:timing>
@@ -19719,7 +19613,7 @@
   <p:timing>
     <p:tnLst>
       <p:par>
-        <p:cTn xmlns:p14="http://schemas.microsoft.com/office/powerpoint/2010/main" id="1" dur="indefinite" restart="never" nodeType="tmRoot"/>
+        <p:cTn id="1" dur="indefinite" restart="never" nodeType="tmRoot"/>
       </p:par>
     </p:tnLst>
   </p:timing>
@@ -19848,18 +19742,7 @@
                 <a:ea typeface="ヒラギノ角ゴ ProN W6"/>
                 <a:cs typeface="ヒラギノ角ゴ ProN W6"/>
               </a:rPr>
-              <a:t>協力</a:t>
-            </a:r>
-            <a:r>
-              <a:rPr lang="ja-JP" altLang="en-US" sz="6000" dirty="0" smtClean="0">
-                <a:solidFill>
-                  <a:srgbClr val="FF0000"/>
-                </a:solidFill>
-                <a:latin typeface="ヒラギノ角ゴ ProN W6"/>
-                <a:ea typeface="ヒラギノ角ゴ ProN W6"/>
-                <a:cs typeface="ヒラギノ角ゴ ProN W6"/>
-              </a:rPr>
-              <a:t>を得たい</a:t>
+              <a:t>協力を得たい</a:t>
             </a:r>
             <a:endParaRPr lang="en-US" altLang="ja-JP" sz="6000" b="1" dirty="0">
               <a:solidFill>
@@ -19885,7 +19768,7 @@
   <p:timing>
     <p:tnLst>
       <p:par>
-        <p:cTn xmlns:p14="http://schemas.microsoft.com/office/powerpoint/2010/main" id="1" dur="indefinite" restart="never" nodeType="tmRoot"/>
+        <p:cTn id="1" dur="indefinite" restart="never" nodeType="tmRoot"/>
       </p:par>
     </p:tnLst>
   </p:timing>
@@ -20022,14 +19905,6 @@
               </a:rPr>
               <a:t>ねらい</a:t>
             </a:r>
-            <a:endParaRPr lang="ja-JP" altLang="en-US" sz="2800" dirty="0">
-              <a:solidFill>
-                <a:srgbClr val="7F7F7F"/>
-              </a:solidFill>
-              <a:latin typeface="ヒラギノ角ゴ ProN W6"/>
-              <a:ea typeface="ヒラギノ角ゴ ProN W6"/>
-              <a:cs typeface="ヒラギノ角ゴ ProN W6"/>
-            </a:endParaRPr>
           </a:p>
           <a:p>
             <a:r>
@@ -20091,7 +19966,7 @@
   <p:timing>
     <p:tnLst>
       <p:par>
-        <p:cTn xmlns:p14="http://schemas.microsoft.com/office/powerpoint/2010/main" id="1" dur="indefinite" restart="never" nodeType="tmRoot"/>
+        <p:cTn id="1" dur="indefinite" restart="never" nodeType="tmRoot"/>
       </p:par>
     </p:tnLst>
   </p:timing>
@@ -20314,7 +20189,7 @@
   <p:timing>
     <p:tnLst>
       <p:par>
-        <p:cTn xmlns:p14="http://schemas.microsoft.com/office/powerpoint/2010/main" id="1" dur="indefinite" restart="never" nodeType="tmRoot"/>
+        <p:cTn id="1" dur="indefinite" restart="never" nodeType="tmRoot"/>
       </p:par>
     </p:tnLst>
   </p:timing>
@@ -20787,7 +20662,7 @@
   <p:timing>
     <p:tnLst>
       <p:par>
-        <p:cTn xmlns:p14="http://schemas.microsoft.com/office/powerpoint/2010/main" id="1" dur="indefinite" restart="never" nodeType="tmRoot"/>
+        <p:cTn id="1" dur="indefinite" restart="never" nodeType="tmRoot"/>
       </p:par>
     </p:tnLst>
   </p:timing>
@@ -20996,14 +20871,6 @@
               </a:rPr>
               <a:t>を活用した</a:t>
             </a:r>
-            <a:endParaRPr lang="ja-JP" altLang="en-US" sz="2800" dirty="0">
-              <a:solidFill>
-                <a:srgbClr val="7F7F7F"/>
-              </a:solidFill>
-              <a:latin typeface="ヒラギノ角ゴ ProN W6"/>
-              <a:ea typeface="ヒラギノ角ゴ ProN W6"/>
-              <a:cs typeface="ヒラギノ角ゴ ProN W6"/>
-            </a:endParaRPr>
           </a:p>
           <a:p>
             <a:r>
@@ -21017,14 +20884,6 @@
               </a:rPr>
               <a:t>継続的な「インパクト」の創出</a:t>
             </a:r>
-            <a:endParaRPr lang="ja-JP" altLang="en-US" sz="2800" dirty="0">
-              <a:solidFill>
-                <a:srgbClr val="7F7F7F"/>
-              </a:solidFill>
-              <a:latin typeface="ヒラギノ角ゴ ProN W6"/>
-              <a:ea typeface="ヒラギノ角ゴ ProN W6"/>
-              <a:cs typeface="ヒラギノ角ゴ ProN W6"/>
-            </a:endParaRPr>
           </a:p>
           <a:p>
             <a:pPr marL="512763" lvl="1" indent="0" algn="ctr">
@@ -21054,7 +20913,7 @@
   <p:timing>
     <p:tnLst>
       <p:par>
-        <p:cTn xmlns:p14="http://schemas.microsoft.com/office/powerpoint/2010/main" id="1" dur="indefinite" restart="never" nodeType="tmRoot"/>
+        <p:cTn id="1" dur="indefinite" restart="never" nodeType="tmRoot"/>
       </p:par>
     </p:tnLst>
   </p:timing>
@@ -21375,14 +21234,6 @@
               </a:rPr>
               <a:t>の認知度を少しずつ確実に高めていった。</a:t>
             </a:r>
-            <a:endParaRPr lang="ja-JP" altLang="en-US" sz="2800" dirty="0">
-              <a:solidFill>
-                <a:srgbClr val="7F7F7F"/>
-              </a:solidFill>
-              <a:latin typeface="ヒラギノ角ゴ ProN W6"/>
-              <a:ea typeface="ヒラギノ角ゴ ProN W6"/>
-              <a:cs typeface="ヒラギノ角ゴ ProN W6"/>
-            </a:endParaRPr>
           </a:p>
           <a:p>
             <a:pPr marL="512763" lvl="1" indent="0" algn="ctr">
@@ -21412,7 +21263,7 @@
   <p:timing>
     <p:tnLst>
       <p:par>
-        <p:cTn xmlns:p14="http://schemas.microsoft.com/office/powerpoint/2010/main" id="1" dur="indefinite" restart="never" nodeType="tmRoot"/>
+        <p:cTn id="1" dur="indefinite" restart="never" nodeType="tmRoot"/>
       </p:par>
     </p:tnLst>
   </p:timing>
@@ -21536,14 +21387,6 @@
               </a:rPr>
               <a:t>⭐業務をこなすだけではなく、イノベーションを実現する。</a:t>
             </a:r>
-            <a:endParaRPr lang="ja-JP" altLang="en-US" sz="2800" dirty="0">
-              <a:solidFill>
-                <a:srgbClr val="7F7F7F"/>
-              </a:solidFill>
-              <a:latin typeface="ヒラギノ角ゴ ProN W6"/>
-              <a:ea typeface="ヒラギノ角ゴ ProN W6"/>
-              <a:cs typeface="ヒラギノ角ゴ ProN W6"/>
-            </a:endParaRPr>
           </a:p>
           <a:p>
             <a:r>
@@ -21625,7 +21468,7 @@
   <p:timing>
     <p:tnLst>
       <p:par>
-        <p:cTn xmlns:p14="http://schemas.microsoft.com/office/powerpoint/2010/main" id="1" dur="indefinite" restart="never" nodeType="tmRoot"/>
+        <p:cTn id="1" dur="indefinite" restart="never" nodeType="tmRoot"/>
       </p:par>
     </p:tnLst>
   </p:timing>
@@ -21946,14 +21789,6 @@
               </a:rPr>
               <a:t>の認知度を少しずつ確実に高めていった。</a:t>
             </a:r>
-            <a:endParaRPr lang="ja-JP" altLang="en-US" sz="2800" dirty="0">
-              <a:solidFill>
-                <a:srgbClr val="7F7F7F"/>
-              </a:solidFill>
-              <a:latin typeface="ヒラギノ角ゴ ProN W6"/>
-              <a:ea typeface="ヒラギノ角ゴ ProN W6"/>
-              <a:cs typeface="ヒラギノ角ゴ ProN W6"/>
-            </a:endParaRPr>
           </a:p>
           <a:p>
             <a:pPr marL="512763" lvl="1" indent="0" algn="ctr">
@@ -21983,7 +21818,7 @@
   <p:timing>
     <p:tnLst>
       <p:par>
-        <p:cTn xmlns:p14="http://schemas.microsoft.com/office/powerpoint/2010/main" id="1" dur="indefinite" restart="never" nodeType="tmRoot"/>
+        <p:cTn id="1" dur="indefinite" restart="never" nodeType="tmRoot"/>
       </p:par>
     </p:tnLst>
   </p:timing>
@@ -22154,7 +21989,7 @@
   <p:timing>
     <p:tnLst>
       <p:par>
-        <p:cTn xmlns:p14="http://schemas.microsoft.com/office/powerpoint/2010/main" id="1" dur="indefinite" restart="never" nodeType="tmRoot"/>
+        <p:cTn id="1" dur="indefinite" restart="never" nodeType="tmRoot"/>
       </p:par>
     </p:tnLst>
   </p:timing>
@@ -22598,7 +22433,7 @@
   <p:timing>
     <p:tnLst>
       <p:par>
-        <p:cTn xmlns:p14="http://schemas.microsoft.com/office/powerpoint/2010/main" id="1" dur="indefinite" restart="never" nodeType="tmRoot"/>
+        <p:cTn id="1" dur="indefinite" restart="never" nodeType="tmRoot"/>
       </p:par>
     </p:tnLst>
   </p:timing>
@@ -22858,14 +22693,6 @@
               </a:rPr>
               <a:t>継続的にインパクトを与えること</a:t>
             </a:r>
-            <a:endParaRPr lang="ja-JP" altLang="en-US" sz="2800" dirty="0">
-              <a:solidFill>
-                <a:srgbClr val="7F7F7F"/>
-              </a:solidFill>
-              <a:latin typeface="ヒラギノ角ゴ ProN W6"/>
-              <a:ea typeface="ヒラギノ角ゴ ProN W6"/>
-              <a:cs typeface="ヒラギノ角ゴ ProN W6"/>
-            </a:endParaRPr>
           </a:p>
           <a:p>
             <a:r>
@@ -22879,14 +22706,6 @@
               </a:rPr>
               <a:t>「持続可能性」の本当の意味について</a:t>
             </a:r>
-            <a:endParaRPr lang="ja-JP" altLang="en-US" sz="2800" dirty="0">
-              <a:solidFill>
-                <a:srgbClr val="7F7F7F"/>
-              </a:solidFill>
-              <a:latin typeface="ヒラギノ角ゴ ProN W6"/>
-              <a:ea typeface="ヒラギノ角ゴ ProN W6"/>
-              <a:cs typeface="ヒラギノ角ゴ ProN W6"/>
-            </a:endParaRPr>
           </a:p>
           <a:p>
             <a:pPr marL="512763" lvl="1" indent="0">
@@ -22916,7 +22735,7 @@
   <p:timing>
     <p:tnLst>
       <p:par>
-        <p:cTn xmlns:p14="http://schemas.microsoft.com/office/powerpoint/2010/main" id="1" dur="indefinite" restart="never" nodeType="tmRoot"/>
+        <p:cTn id="1" dur="indefinite" restart="never" nodeType="tmRoot"/>
       </p:par>
     </p:tnLst>
   </p:timing>
@@ -23034,29 +22853,7 @@
                 <a:ea typeface="ヒラギノ角ゴ ProN W6"/>
                 <a:cs typeface="ヒラギノ角ゴ ProN W6"/>
               </a:rPr>
-              <a:t>・</a:t>
-            </a:r>
-            <a:r>
-              <a:rPr lang="ja-JP" altLang="en-US" sz="2800" dirty="0">
-                <a:solidFill>
-                  <a:srgbClr val="7F7F7F"/>
-                </a:solidFill>
-                <a:latin typeface="ヒラギノ角ゴ ProN W6"/>
-                <a:ea typeface="ヒラギノ角ゴ ProN W6"/>
-                <a:cs typeface="ヒラギノ角ゴ ProN W6"/>
-              </a:rPr>
-              <a:t>自分以外の人間が継続的に運用できる仕組みを作ること</a:t>
-            </a:r>
-            <a:r>
-              <a:rPr lang="ja-JP" altLang="en-US" sz="2800" dirty="0">
-                <a:solidFill>
-                  <a:srgbClr val="7F7F7F"/>
-                </a:solidFill>
-                <a:latin typeface="ヒラギノ角ゴ ProN W6"/>
-                <a:ea typeface="ヒラギノ角ゴ ProN W6"/>
-                <a:cs typeface="ヒラギノ角ゴ ProN W6"/>
-              </a:rPr>
-              <a:t> </a:t>
+              <a:t>・自分以外の人間が継続的に運用できる仕組みを作ること </a:t>
             </a:r>
           </a:p>
           <a:p>
@@ -23106,7 +22903,7 @@
   <p:timing>
     <p:tnLst>
       <p:par>
-        <p:cTn xmlns:p14="http://schemas.microsoft.com/office/powerpoint/2010/main" id="1" dur="indefinite" restart="never" nodeType="tmRoot"/>
+        <p:cTn id="1" dur="indefinite" restart="never" nodeType="tmRoot"/>
       </p:par>
     </p:tnLst>
   </p:timing>
@@ -23253,7 +23050,7 @@
   <p:timing>
     <p:tnLst>
       <p:par>
-        <p:cTn xmlns:p14="http://schemas.microsoft.com/office/powerpoint/2010/main" id="1" dur="indefinite" restart="never" nodeType="tmRoot"/>
+        <p:cTn id="1" dur="indefinite" restart="never" nodeType="tmRoot"/>
       </p:par>
     </p:tnLst>
   </p:timing>
@@ -23697,7 +23494,7 @@
   <p:timing>
     <p:tnLst>
       <p:par>
-        <p:cTn xmlns:p14="http://schemas.microsoft.com/office/powerpoint/2010/main" id="1" dur="indefinite" restart="never" nodeType="tmRoot"/>
+        <p:cTn id="1" dur="indefinite" restart="never" nodeType="tmRoot"/>
       </p:par>
     </p:tnLst>
   </p:timing>
@@ -23843,7 +23640,7 @@
   <p:timing>
     <p:tnLst>
       <p:par>
-        <p:cTn xmlns:p14="http://schemas.microsoft.com/office/powerpoint/2010/main" id="1" dur="indefinite" restart="never" nodeType="tmRoot"/>
+        <p:cTn id="1" dur="indefinite" restart="never" nodeType="tmRoot"/>
       </p:par>
     </p:tnLst>
   </p:timing>
@@ -24024,7 +23821,7 @@
   <p:timing>
     <p:tnLst>
       <p:par>
-        <p:cTn xmlns:p14="http://schemas.microsoft.com/office/powerpoint/2010/main" id="1" dur="indefinite" restart="never" nodeType="tmRoot"/>
+        <p:cTn id="1" dur="indefinite" restart="never" nodeType="tmRoot"/>
       </p:par>
     </p:tnLst>
   </p:timing>
@@ -24447,7 +24244,7 @@
   <p:timing>
     <p:tnLst>
       <p:par>
-        <p:cTn xmlns:p14="http://schemas.microsoft.com/office/powerpoint/2010/main" id="1" dur="indefinite" restart="never" nodeType="tmRoot"/>
+        <p:cTn id="1" dur="indefinite" restart="never" nodeType="tmRoot"/>
       </p:par>
     </p:tnLst>
   </p:timing>
@@ -24858,7 +24655,7 @@
   <p:timing>
     <p:tnLst>
       <p:par>
-        <p:cTn xmlns:p14="http://schemas.microsoft.com/office/powerpoint/2010/main" id="1" dur="indefinite" restart="never" nodeType="tmRoot"/>
+        <p:cTn id="1" dur="indefinite" restart="never" nodeType="tmRoot"/>
       </p:par>
     </p:tnLst>
   </p:timing>
@@ -24958,14 +24755,6 @@
               </a:rPr>
               <a:t>in.</a:t>
             </a:r>
-            <a:endParaRPr lang="en-US" altLang="ja-JP" sz="6000" dirty="0" smtClean="0">
-              <a:solidFill>
-                <a:srgbClr val="7F7F7F"/>
-              </a:solidFill>
-              <a:latin typeface="ヒラギノ角ゴ ProN W6"/>
-              <a:ea typeface="ヒラギノ角ゴ ProN W6"/>
-              <a:cs typeface="ヒラギノ角ゴ ProN W6"/>
-            </a:endParaRPr>
           </a:p>
         </p:txBody>
       </p:sp>
@@ -24982,7 +24771,120 @@
   <p:timing>
     <p:tnLst>
       <p:par>
-        <p:cTn xmlns:p14="http://schemas.microsoft.com/office/powerpoint/2010/main" id="1" dur="indefinite" restart="never" nodeType="tmRoot"/>
+        <p:cTn id="1" dur="indefinite" restart="never" nodeType="tmRoot"/>
+      </p:par>
+    </p:tnLst>
+  </p:timing>
+</p:sld>
+</file>
+
+<file path=ppt/slides/slide54.xml><?xml version="1.0" encoding="utf-8"?>
+<p:sld xmlns:a="http://schemas.openxmlformats.org/drawingml/2006/main" xmlns:r="http://schemas.openxmlformats.org/officeDocument/2006/relationships" xmlns:p="http://schemas.openxmlformats.org/presentationml/2006/main">
+  <p:cSld>
+    <p:spTree>
+      <p:nvGrpSpPr>
+        <p:cNvPr id="1" name=""/>
+        <p:cNvGrpSpPr/>
+        <p:nvPr/>
+      </p:nvGrpSpPr>
+      <p:grpSpPr>
+        <a:xfrm>
+          <a:off x="0" y="0"/>
+          <a:ext cx="0" cy="0"/>
+          <a:chOff x="0" y="0"/>
+          <a:chExt cx="0" cy="0"/>
+        </a:xfrm>
+      </p:grpSpPr>
+      <p:sp>
+        <p:nvSpPr>
+          <p:cNvPr id="4" name="スライド番号プレースホルダー 3"/>
+          <p:cNvSpPr>
+            <a:spLocks noGrp="1"/>
+          </p:cNvSpPr>
+          <p:nvPr>
+            <p:ph type="sldNum" sz="quarter" idx="12"/>
+          </p:nvPr>
+        </p:nvSpPr>
+        <p:spPr/>
+        <p:txBody>
+          <a:bodyPr/>
+          <a:lstStyle/>
+          <a:p>
+            <a:fld id="{A60C1000-84CB-418E-9143-20F01318A1D3}" type="slidenum">
+              <a:rPr kumimoji="1" lang="ja-JP" altLang="en-US" smtClean="0"/>
+              <a:t>54</a:t>
+            </a:fld>
+            <a:endParaRPr kumimoji="1" lang="ja-JP" altLang="en-US"/>
+          </a:p>
+        </p:txBody>
+      </p:sp>
+      <p:sp>
+        <p:nvSpPr>
+          <p:cNvPr id="9" name="コンテンツ プレースホルダー 8"/>
+          <p:cNvSpPr>
+            <a:spLocks noGrp="1"/>
+          </p:cNvSpPr>
+          <p:nvPr>
+            <p:ph idx="1"/>
+          </p:nvPr>
+        </p:nvSpPr>
+        <p:spPr>
+          <a:xfrm>
+            <a:off x="628650" y="1689099"/>
+            <a:ext cx="7886700" cy="4406400"/>
+          </a:xfrm>
+          <a:noFill/>
+          <a:ln>
+            <a:solidFill>
+              <a:srgbClr val="FF0000"/>
+            </a:solidFill>
+          </a:ln>
+        </p:spPr>
+        <p:txBody>
+          <a:bodyPr anchor="ctr" anchorCtr="0">
+            <a:noAutofit/>
+          </a:bodyPr>
+          <a:lstStyle/>
+          <a:p>
+            <a:pPr marL="512763" lvl="1" indent="0" algn="ctr">
+              <a:buNone/>
+            </a:pPr>
+            <a:r>
+              <a:rPr lang="en-US" altLang="ja-JP" sz="6000" smtClean="0">
+                <a:solidFill>
+                  <a:srgbClr val="44C404"/>
+                </a:solidFill>
+                <a:latin typeface="ヒラギノ角ゴ ProN W6"/>
+                <a:ea typeface="ヒラギノ角ゴ ProN W6"/>
+                <a:cs typeface="ヒラギノ角ゴ ProN W6"/>
+              </a:rPr>
+              <a:t>Test</a:t>
+            </a:r>
+            <a:endParaRPr lang="en-US" altLang="ja-JP" sz="6000" dirty="0" smtClean="0">
+              <a:solidFill>
+                <a:srgbClr val="44C404"/>
+              </a:solidFill>
+              <a:latin typeface="ヒラギノ角ゴ ProN W6"/>
+              <a:ea typeface="ヒラギノ角ゴ ProN W6"/>
+              <a:cs typeface="ヒラギノ角ゴ ProN W6"/>
+            </a:endParaRPr>
+          </a:p>
+        </p:txBody>
+      </p:sp>
+    </p:spTree>
+    <p:extLst>
+      <p:ext uri="{BB962C8B-B14F-4D97-AF65-F5344CB8AC3E}">
+        <p14:creationId xmlns:p14="http://schemas.microsoft.com/office/powerpoint/2010/main" val="1143665389"/>
+      </p:ext>
+    </p:extLst>
+  </p:cSld>
+  <p:clrMapOvr>
+    <a:masterClrMapping/>
+  </p:clrMapOvr>
+  <p:timing>
+    <p:tnLst>
+      <p:par>
+        <p:cTn id="1" dur="indefinite" restart="never" nodeType="tmRoot"/>
       </p:par>
     </p:tnLst>
   </p:timing>
@@ -25283,7 +25185,7 @@
   <p:timing>
     <p:tnLst>
       <p:par>
-        <p:cTn xmlns:p14="http://schemas.microsoft.com/office/powerpoint/2010/main" id="1" dur="indefinite" restart="never" nodeType="tmRoot"/>
+        <p:cTn id="1" dur="indefinite" restart="never" nodeType="tmRoot"/>
       </p:par>
     </p:tnLst>
   </p:timing>
@@ -25938,7 +25840,7 @@
   <p:timing>
     <p:tnLst>
       <p:par>
-        <p:cTn xmlns:p14="http://schemas.microsoft.com/office/powerpoint/2010/main" id="1" dur="indefinite" restart="never" nodeType="tmRoot"/>
+        <p:cTn id="1" dur="indefinite" restart="never" nodeType="tmRoot"/>
       </p:par>
     </p:tnLst>
   </p:timing>
@@ -26460,7 +26362,7 @@
   <p:timing>
     <p:tnLst>
       <p:par>
-        <p:cTn xmlns:p14="http://schemas.microsoft.com/office/powerpoint/2010/main" id="1" dur="indefinite" restart="never" nodeType="tmRoot">
+        <p:cTn id="1" dur="indefinite" restart="never" nodeType="tmRoot">
           <p:childTnLst>
             <p:seq concurrent="1" nextAc="seek">
               <p:cTn id="2" dur="indefinite" nodeType="mainSeq">
@@ -27338,7 +27240,7 @@
   <p:timing>
     <p:tnLst>
       <p:par>
-        <p:cTn xmlns:p14="http://schemas.microsoft.com/office/powerpoint/2010/main" id="1" dur="indefinite" restart="never" nodeType="tmRoot">
+        <p:cTn id="1" dur="indefinite" restart="never" nodeType="tmRoot">
           <p:childTnLst>
             <p:seq concurrent="1" nextAc="seek">
               <p:cTn id="2" dur="indefinite" nodeType="mainSeq">
@@ -27854,7 +27756,7 @@
   <a:extraClrSchemeLst/>
   <a:extLst>
     <a:ext uri="{05A4C25C-085E-4340-85A3-A5531E510DB2}">
-      <thm15:themeFamily xmlns:thm15="http://schemas.microsoft.com/office/thememl/2012/main" xmlns="" name="プレゼンテーション5" id="{635F5DAF-CAC2-7442-AA3A-C2EB436D7EA4}" vid="{EDE04049-9C0B-7A42-88BF-C34543A26365}"/>
+      <thm15:themeFamily xmlns:thm15="http://schemas.microsoft.com/office/thememl/2012/main" name="プレゼンテーション5" id="{635F5DAF-CAC2-7442-AA3A-C2EB436D7EA4}" vid="{EDE04049-9C0B-7A42-88BF-C34543A26365}"/>
     </a:ext>
   </a:extLst>
 </a:theme>
@@ -28107,7 +28009,7 @@
   <a:extraClrSchemeLst/>
   <a:extLst>
     <a:ext uri="{05A4C25C-085E-4340-85A3-A5531E510DB2}">
-      <thm15:themeFamily xmlns:thm15="http://schemas.microsoft.com/office/thememl/2012/main" xmlns="" name="プレゼンテーション5" id="{635F5DAF-CAC2-7442-AA3A-C2EB436D7EA4}" vid="{A7687B34-BA34-1C4A-8369-B92120B45902}"/>
+      <thm15:themeFamily xmlns:thm15="http://schemas.microsoft.com/office/thememl/2012/main" name="プレゼンテーション5" id="{635F5DAF-CAC2-7442-AA3A-C2EB436D7EA4}" vid="{A7687B34-BA34-1C4A-8369-B92120B45902}"/>
     </a:ext>
   </a:extLst>
 </a:theme>
@@ -28368,7 +28270,7 @@
   <a:extraClrSchemeLst/>
   <a:extLst>
     <a:ext uri="{05A4C25C-085E-4340-85A3-A5531E510DB2}">
-      <thm15:themeFamily xmlns:thm15="http://schemas.microsoft.com/office/thememl/2012/main" xmlns="" name="Office Theme" id="{62F939B6-93AF-4DB8-9C6B-D6C7DFDC589F}" vid="{4A3C46E8-61CC-4603-A589-7422A47A8E4A}"/>
+      <thm15:themeFamily xmlns:thm15="http://schemas.microsoft.com/office/thememl/2012/main" name="Office Theme" id="{62F939B6-93AF-4DB8-9C6B-D6C7DFDC589F}" vid="{4A3C46E8-61CC-4603-A589-7422A47A8E4A}"/>
     </a:ext>
   </a:extLst>
 </a:theme>
